--- a/Template_Presentation_Students.pptx
+++ b/Template_Presentation_Students.pptx
@@ -22,6 +22,7 @@
     <p:sldId id="264" r:id="rId15"/>
     <p:sldId id="269" r:id="rId16"/>
     <p:sldId id="265" r:id="rId17"/>
+    <p:sldId id="276" r:id="rId18"/>
   </p:sldIdLst>
   <p:sldSz cx="12192000" cy="6858000"/>
   <p:notesSz cx="12192000" cy="6858000"/>
@@ -4401,6 +4402,82 @@
           </a:prstGeom>
         </p:spPr>
       </p:pic>
+    </p:spTree>
+  </p:cSld>
+  <p:clrMapOvr>
+    <a:masterClrMapping/>
+  </p:clrMapOvr>
+</p:sld>
+</file>
+
+<file path=ppt/slides/slide15.xml><?xml version="1.0" encoding="utf-8"?>
+<p:sld xmlns:a="http://schemas.openxmlformats.org/drawingml/2006/main" xmlns:r="http://schemas.openxmlformats.org/officeDocument/2006/relationships" xmlns:p="http://schemas.openxmlformats.org/presentationml/2006/main">
+  <p:cSld>
+    <p:spTree>
+      <p:nvGrpSpPr>
+        <p:cNvPr id="1" name=""/>
+        <p:cNvGrpSpPr/>
+        <p:nvPr/>
+      </p:nvGrpSpPr>
+      <p:grpSpPr/>
+      <p:sp>
+        <p:nvSpPr>
+          <p:cNvPr id="2" name="Title 1"/>
+          <p:cNvSpPr>
+            <a:spLocks noGrp="1"/>
+          </p:cNvSpPr>
+          <p:nvPr>
+            <p:ph type="ctrTitle"/>
+          </p:nvPr>
+        </p:nvSpPr>
+        <p:spPr>
+          <a:xfrm>
+            <a:off x="685800" y="533400"/>
+            <a:ext cx="6466205" cy="560705"/>
+          </a:xfrm>
+        </p:spPr>
+        <p:txBody>
+          <a:bodyPr>
+            <a:noAutofit/>
+          </a:bodyPr>
+          <a:p>
+            <a:r>
+              <a:rPr lang="en-US"/>
+              <a:t>GITHUB LINK</a:t>
+            </a:r>
+            <a:endParaRPr lang="en-US"/>
+          </a:p>
+        </p:txBody>
+      </p:sp>
+      <p:sp>
+        <p:nvSpPr>
+          <p:cNvPr id="3" name="Subtitle 2"/>
+          <p:cNvSpPr>
+            <a:spLocks noGrp="1"/>
+          </p:cNvSpPr>
+          <p:nvPr>
+            <p:ph type="subTitle" idx="4"/>
+          </p:nvPr>
+        </p:nvSpPr>
+        <p:spPr>
+          <a:xfrm>
+            <a:off x="685800" y="2438400"/>
+            <a:ext cx="8534400" cy="276860"/>
+          </a:xfrm>
+        </p:spPr>
+        <p:txBody>
+          <a:bodyPr/>
+          <a:p>
+            <a:r>
+              <a:rPr lang="en-US">
+                <a:hlinkClick r:id="rId1" tooltip="" action="ppaction://hlinkfile"/>
+              </a:rPr>
+              <a:t>https://github.com/3Preeti/keylogger_newproject.git</a:t>
+            </a:r>
+            <a:endParaRPr lang="en-US"/>
+          </a:p>
+        </p:txBody>
+      </p:sp>
     </p:spTree>
   </p:cSld>
   <p:clrMapOvr>
